--- a/data-raw/formats.pptx
+++ b/data-raw/formats.pptx
@@ -104,6 +104,11 @@
       </a:defRPr>
     </a:lvl9pPr>
   </p:defaultTextStyle>
+  <p:extLst>
+    <p:ext uri="{EFAFB233-063F-42B5-8137-9DF3F51BA10A}">
+      <p15:sldGuideLst xmlns:p15="http://schemas.microsoft.com/office/powerpoint/2012/main"/>
+    </p:ext>
+  </p:extLst>
 </p:presentation>
 </file>
 
@@ -3344,10 +3349,10 @@
       </p:grpSpPr>
       <p:sp>
         <p:nvSpPr>
-          <p:cNvPr id="13" name="Rectangle 12">
-            <a:extLst>
-              <a:ext uri="{FF2B5EF4-FFF2-40B4-BE49-F238E27FC236}">
-                <a16:creationId xmlns:a16="http://schemas.microsoft.com/office/drawing/2014/main" id="{B8CD4EC0-0D63-D0DE-2971-8429A618B40B}"/>
+          <p:cNvPr id="4" name="Rectangle 3">
+            <a:extLst>
+              <a:ext uri="{FF2B5EF4-FFF2-40B4-BE49-F238E27FC236}">
+                <a16:creationId xmlns:a16="http://schemas.microsoft.com/office/drawing/2014/main" id="{A617ED1B-7D9B-A9D7-CCC0-6D8D1F83B331}"/>
               </a:ext>
             </a:extLst>
           </p:cNvPr>
@@ -3356,196 +3361,7 @@
         </p:nvSpPr>
         <p:spPr>
           <a:xfrm>
-            <a:off x="243068" y="4199760"/>
-            <a:ext cx="9171442" cy="1460375"/>
-          </a:xfrm>
-          <a:prstGeom prst="rect">
-            <a:avLst/>
-          </a:prstGeom>
-          <a:solidFill>
-            <a:schemeClr val="accent4">
-              <a:lumMod val="20000"/>
-              <a:lumOff val="80000"/>
-            </a:schemeClr>
-          </a:solidFill>
-          <a:ln>
-            <a:solidFill>
-              <a:schemeClr val="accent4"/>
-            </a:solidFill>
-          </a:ln>
-        </p:spPr>
-        <p:style>
-          <a:lnRef idx="2">
-            <a:schemeClr val="accent1">
-              <a:shade val="15000"/>
-            </a:schemeClr>
-          </a:lnRef>
-          <a:fillRef idx="1">
-            <a:schemeClr val="accent1"/>
-          </a:fillRef>
-          <a:effectRef idx="0">
-            <a:schemeClr val="accent1"/>
-          </a:effectRef>
-          <a:fontRef idx="minor">
-            <a:schemeClr val="lt1"/>
-          </a:fontRef>
-        </p:style>
-        <p:txBody>
-          <a:bodyPr rtlCol="0" anchor="t"/>
-          <a:lstStyle/>
-          <a:p>
-            <a:r>
-              <a:rPr lang="en-AU" dirty="0">
-                <a:solidFill>
-                  <a:schemeClr val="tx1"/>
-                </a:solidFill>
-              </a:rPr>
-              <a:t>Analysis format</a:t>
-            </a:r>
-          </a:p>
-        </p:txBody>
-      </p:sp>
-      <p:sp>
-        <p:nvSpPr>
-          <p:cNvPr id="12" name="Rectangle 11">
-            <a:extLst>
-              <a:ext uri="{FF2B5EF4-FFF2-40B4-BE49-F238E27FC236}">
-                <a16:creationId xmlns:a16="http://schemas.microsoft.com/office/drawing/2014/main" id="{0D7513E7-B35E-9768-C410-D7203D83485E}"/>
-              </a:ext>
-            </a:extLst>
-          </p:cNvPr>
-          <p:cNvSpPr/>
-          <p:nvPr/>
-        </p:nvSpPr>
-        <p:spPr>
-          <a:xfrm>
-            <a:off x="243068" y="2479356"/>
-            <a:ext cx="9171442" cy="1460375"/>
-          </a:xfrm>
-          <a:prstGeom prst="rect">
-            <a:avLst/>
-          </a:prstGeom>
-          <a:solidFill>
-            <a:schemeClr val="accent4">
-              <a:lumMod val="20000"/>
-              <a:lumOff val="80000"/>
-            </a:schemeClr>
-          </a:solidFill>
-          <a:ln>
-            <a:solidFill>
-              <a:schemeClr val="accent4"/>
-            </a:solidFill>
-          </a:ln>
-        </p:spPr>
-        <p:style>
-          <a:lnRef idx="2">
-            <a:schemeClr val="accent1">
-              <a:shade val="15000"/>
-            </a:schemeClr>
-          </a:lnRef>
-          <a:fillRef idx="1">
-            <a:schemeClr val="accent1"/>
-          </a:fillRef>
-          <a:effectRef idx="0">
-            <a:schemeClr val="accent1"/>
-          </a:effectRef>
-          <a:fontRef idx="minor">
-            <a:schemeClr val="lt1"/>
-          </a:fontRef>
-        </p:style>
-        <p:txBody>
-          <a:bodyPr rtlCol="0" anchor="t"/>
-          <a:lstStyle/>
-          <a:p>
-            <a:r>
-              <a:rPr lang="en-AU" dirty="0">
-                <a:solidFill>
-                  <a:schemeClr val="tx1"/>
-                </a:solidFill>
-              </a:rPr>
-              <a:t>Internal R formats</a:t>
-            </a:r>
-          </a:p>
-        </p:txBody>
-      </p:sp>
-      <p:sp>
-        <p:nvSpPr>
-          <p:cNvPr id="11" name="Rectangle 10">
-            <a:extLst>
-              <a:ext uri="{FF2B5EF4-FFF2-40B4-BE49-F238E27FC236}">
-                <a16:creationId xmlns:a16="http://schemas.microsoft.com/office/drawing/2014/main" id="{72DB1CE0-5851-5377-8596-1606C4A69023}"/>
-              </a:ext>
-            </a:extLst>
-          </p:cNvPr>
-          <p:cNvSpPr/>
-          <p:nvPr/>
-        </p:nvSpPr>
-        <p:spPr>
-          <a:xfrm>
-            <a:off x="243068" y="758952"/>
-            <a:ext cx="9171442" cy="1460375"/>
-          </a:xfrm>
-          <a:prstGeom prst="rect">
-            <a:avLst/>
-          </a:prstGeom>
-          <a:solidFill>
-            <a:schemeClr val="accent4">
-              <a:lumMod val="20000"/>
-              <a:lumOff val="80000"/>
-            </a:schemeClr>
-          </a:solidFill>
-          <a:ln>
-            <a:solidFill>
-              <a:schemeClr val="accent4"/>
-            </a:solidFill>
-          </a:ln>
-        </p:spPr>
-        <p:style>
-          <a:lnRef idx="2">
-            <a:schemeClr val="accent1">
-              <a:shade val="15000"/>
-            </a:schemeClr>
-          </a:lnRef>
-          <a:fillRef idx="1">
-            <a:schemeClr val="accent1"/>
-          </a:fillRef>
-          <a:effectRef idx="0">
-            <a:schemeClr val="accent1"/>
-          </a:effectRef>
-          <a:fontRef idx="minor">
-            <a:schemeClr val="lt1"/>
-          </a:fontRef>
-        </p:style>
-        <p:txBody>
-          <a:bodyPr rtlCol="0" anchor="t"/>
-          <a:lstStyle/>
-          <a:p>
-            <a:r>
-              <a:rPr lang="en-AU" dirty="0">
-                <a:solidFill>
-                  <a:schemeClr val="tx1"/>
-                </a:solidFill>
-              </a:rPr>
-              <a:t>External file formats</a:t>
-            </a:r>
-          </a:p>
-        </p:txBody>
-      </p:sp>
-      <p:sp>
-        <p:nvSpPr>
-          <p:cNvPr id="4" name="Rectangle 3">
-            <a:extLst>
-              <a:ext uri="{FF2B5EF4-FFF2-40B4-BE49-F238E27FC236}">
-                <a16:creationId xmlns:a16="http://schemas.microsoft.com/office/drawing/2014/main" id="{A617ED1B-7D9B-A9D7-CCC0-6D8D1F83B331}"/>
-              </a:ext>
-            </a:extLst>
-          </p:cNvPr>
-          <p:cNvSpPr/>
-          <p:nvPr/>
-        </p:nvSpPr>
-        <p:spPr>
-          <a:xfrm>
-            <a:off x="7383018" y="3007993"/>
+            <a:off x="7383018" y="3415867"/>
             <a:ext cx="1680972" cy="561975"/>
           </a:xfrm>
           <a:prstGeom prst="rect">
@@ -3575,7 +3391,7 @@
             <a:pPr algn="ctr"/>
             <a:r>
               <a:rPr lang="en-AU" dirty="0"/>
-              <a:t>Relational</a:t>
+              <a:t>Hierarchical (nested list)</a:t>
             </a:r>
           </a:p>
         </p:txBody>
@@ -3594,7 +3410,7 @@
         </p:nvSpPr>
         <p:spPr>
           <a:xfrm>
-            <a:off x="2713482" y="3007994"/>
+            <a:off x="2713482" y="3415866"/>
             <a:ext cx="1680972" cy="561975"/>
           </a:xfrm>
           <a:prstGeom prst="rect">
@@ -3623,9 +3439,10 @@
           <a:p>
             <a:pPr algn="ctr"/>
             <a:r>
-              <a:rPr lang="en-AU" dirty="0"/>
-              <a:t>Hierarchical</a:t>
-            </a:r>
+              <a:rPr lang="en-AU"/>
+              <a:t>Relational (data frame)</a:t>
+            </a:r>
+            <a:endParaRPr lang="en-AU" dirty="0"/>
           </a:p>
         </p:txBody>
       </p:sp>
@@ -3643,7 +3460,7 @@
         </p:nvSpPr>
         <p:spPr>
           <a:xfrm>
-            <a:off x="5048250" y="3007994"/>
+            <a:off x="5071633" y="3442134"/>
             <a:ext cx="1680972" cy="561975"/>
           </a:xfrm>
           <a:prstGeom prst="rect">
@@ -3673,7 +3490,7 @@
             <a:pPr algn="ctr"/>
             <a:r>
               <a:rPr lang="en-AU" dirty="0"/>
-              <a:t>Path string</a:t>
+              <a:t>Path string (data frame)</a:t>
             </a:r>
           </a:p>
         </p:txBody>
@@ -3854,7 +3671,7 @@
         </p:nvSpPr>
         <p:spPr>
           <a:xfrm>
-            <a:off x="4672965" y="4638673"/>
+            <a:off x="4696348" y="5815098"/>
             <a:ext cx="2431542" cy="561975"/>
           </a:xfrm>
           <a:prstGeom prst="rect">
@@ -3911,7 +3728,7 @@
         <p:spPr>
           <a:xfrm>
             <a:off x="3553968" y="1939289"/>
-            <a:ext cx="0" cy="1068705"/>
+            <a:ext cx="0" cy="1476577"/>
           </a:xfrm>
           <a:prstGeom prst="straightConnector1">
             <a:avLst/>
@@ -3945,14 +3762,16 @@
             </a:extLst>
           </p:cNvPr>
           <p:cNvCxnSpPr>
+            <a:cxnSpLocks/>
             <a:stCxn id="7" idx="2"/>
+            <a:endCxn id="4" idx="0"/>
           </p:cNvCxnSpPr>
           <p:nvPr/>
         </p:nvCxnSpPr>
         <p:spPr>
           <a:xfrm>
             <a:off x="5888736" y="1939290"/>
-            <a:ext cx="2259841" cy="1068703"/>
+            <a:ext cx="2334768" cy="1476577"/>
           </a:xfrm>
           <a:prstGeom prst="straightConnector1">
             <a:avLst/>
@@ -3986,14 +3805,16 @@
             </a:extLst>
           </p:cNvPr>
           <p:cNvCxnSpPr>
+            <a:cxnSpLocks/>
             <a:stCxn id="9" idx="2"/>
+            <a:endCxn id="4" idx="0"/>
           </p:cNvCxnSpPr>
           <p:nvPr/>
         </p:nvCxnSpPr>
         <p:spPr>
-          <a:xfrm flipH="1">
-            <a:off x="8206451" y="1939289"/>
-            <a:ext cx="17053" cy="1068704"/>
+          <a:xfrm>
+            <a:off x="8223504" y="1939289"/>
+            <a:ext cx="0" cy="1476578"/>
           </a:xfrm>
           <a:prstGeom prst="straightConnector1">
             <a:avLst/>
@@ -4035,7 +3856,7 @@
         <p:spPr>
           <a:xfrm>
             <a:off x="3553968" y="1939289"/>
-            <a:ext cx="2334768" cy="1068705"/>
+            <a:ext cx="2358151" cy="1502845"/>
           </a:xfrm>
           <a:prstGeom prst="straightConnector1">
             <a:avLst/>
@@ -4076,8 +3897,8 @@
         </p:nvCxnSpPr>
         <p:spPr>
           <a:xfrm>
-            <a:off x="3553968" y="3569969"/>
-            <a:ext cx="2334768" cy="1068704"/>
+            <a:off x="3553968" y="3977841"/>
+            <a:ext cx="2358151" cy="1837257"/>
           </a:xfrm>
           <a:prstGeom prst="straightConnector1">
             <a:avLst/>
@@ -4110,13 +3931,17 @@
               </a:ext>
             </a:extLst>
           </p:cNvPr>
-          <p:cNvCxnSpPr/>
+          <p:cNvCxnSpPr>
+            <a:cxnSpLocks/>
+            <a:stCxn id="6" idx="2"/>
+            <a:endCxn id="10" idx="0"/>
+          </p:cNvCxnSpPr>
           <p:nvPr/>
         </p:nvCxnSpPr>
         <p:spPr>
           <a:xfrm>
-            <a:off x="5888736" y="3569968"/>
-            <a:ext cx="0" cy="1068705"/>
+            <a:off x="5912119" y="4004109"/>
+            <a:ext cx="0" cy="1810989"/>
           </a:xfrm>
           <a:prstGeom prst="straightConnector1">
             <a:avLst/>
@@ -4150,14 +3975,16 @@
             </a:extLst>
           </p:cNvPr>
           <p:cNvCxnSpPr>
+            <a:cxnSpLocks/>
+            <a:stCxn id="4" idx="2"/>
             <a:endCxn id="10" idx="0"/>
           </p:cNvCxnSpPr>
           <p:nvPr/>
         </p:nvCxnSpPr>
         <p:spPr>
           <a:xfrm flipH="1">
-            <a:off x="5888736" y="3569968"/>
-            <a:ext cx="2334768" cy="1068705"/>
+            <a:off x="5912119" y="3977842"/>
+            <a:ext cx="2311385" cy="1837256"/>
           </a:xfrm>
           <a:prstGeom prst="straightConnector1">
             <a:avLst/>
@@ -4194,22 +4021,16 @@
           <p:nvPr/>
         </p:nvSpPr>
         <p:spPr>
-          <a:xfrm rot="20074630">
-            <a:off x="6365488" y="3913328"/>
+          <a:xfrm rot="2289234">
+            <a:off x="3844095" y="4449546"/>
             <a:ext cx="1538420" cy="278603"/>
           </a:xfrm>
           <a:prstGeom prst="rect">
             <a:avLst/>
           </a:prstGeom>
-          <a:solidFill>
-            <a:schemeClr val="bg2"/>
-          </a:solidFill>
+          <a:noFill/>
           <a:ln w="3175">
-            <a:solidFill>
-              <a:schemeClr val="bg2">
-                <a:lumMod val="75000"/>
-              </a:schemeClr>
-            </a:solidFill>
+            <a:noFill/>
           </a:ln>
         </p:spPr>
         <p:style>
@@ -4234,18 +4055,22 @@
           <a:p>
             <a:pPr algn="ctr"/>
             <a:r>
-              <a:rPr lang="en-AU" sz="1200" dirty="0" err="1">
+              <a:rPr lang="en-AU" sz="1000" dirty="0" err="1">
                 <a:solidFill>
                   <a:schemeClr val="tx1"/>
                 </a:solidFill>
+                <a:latin typeface="Courier New" panose="02070309020205020404" pitchFamily="49" charset="0"/>
+                <a:cs typeface="Courier New" panose="02070309020205020404" pitchFamily="49" charset="0"/>
               </a:rPr>
               <a:t>load_tree_df</a:t>
             </a:r>
             <a:r>
-              <a:rPr lang="en-AU" sz="1200" dirty="0">
+              <a:rPr lang="en-AU" sz="1000" dirty="0">
                 <a:solidFill>
                   <a:schemeClr val="tx1"/>
                 </a:solidFill>
+                <a:latin typeface="Courier New" panose="02070309020205020404" pitchFamily="49" charset="0"/>
+                <a:cs typeface="Courier New" panose="02070309020205020404" pitchFamily="49" charset="0"/>
               </a:rPr>
               <a:t>()</a:t>
             </a:r>
@@ -4265,22 +4090,16 @@
           <p:nvPr/>
         </p:nvSpPr>
         <p:spPr>
-          <a:xfrm rot="1347215">
-            <a:off x="3848662" y="3951174"/>
-            <a:ext cx="1618194" cy="308315"/>
+          <a:xfrm rot="19269430">
+            <a:off x="6059879" y="4582747"/>
+            <a:ext cx="1909292" cy="308315"/>
           </a:xfrm>
           <a:prstGeom prst="rect">
             <a:avLst/>
           </a:prstGeom>
-          <a:solidFill>
-            <a:schemeClr val="bg2"/>
-          </a:solidFill>
+          <a:noFill/>
           <a:ln w="3175">
-            <a:solidFill>
-              <a:schemeClr val="bg2">
-                <a:lumMod val="75000"/>
-              </a:schemeClr>
-            </a:solidFill>
+            <a:noFill/>
           </a:ln>
         </p:spPr>
         <p:style>
@@ -4305,18 +4124,22 @@
           <a:p>
             <a:pPr algn="ctr"/>
             <a:r>
-              <a:rPr lang="en-AU" sz="1200" dirty="0" err="1">
+              <a:rPr lang="en-AU" sz="1000" dirty="0" err="1">
                 <a:solidFill>
                   <a:schemeClr val="tx1"/>
                 </a:solidFill>
+                <a:latin typeface="Courier New" panose="02070309020205020404" pitchFamily="49" charset="0"/>
+                <a:cs typeface="Courier New" panose="02070309020205020404" pitchFamily="49" charset="0"/>
               </a:rPr>
               <a:t>load_tree_node_list</a:t>
             </a:r>
             <a:r>
-              <a:rPr lang="en-AU" sz="1200" dirty="0">
+              <a:rPr lang="en-AU" sz="1000" dirty="0">
                 <a:solidFill>
                   <a:schemeClr val="tx1"/>
                 </a:solidFill>
+                <a:latin typeface="Courier New" panose="02070309020205020404" pitchFamily="49" charset="0"/>
+                <a:cs typeface="Courier New" panose="02070309020205020404" pitchFamily="49" charset="0"/>
               </a:rPr>
               <a:t>()</a:t>
             </a:r>
@@ -4336,22 +4159,16 @@
           <p:nvPr/>
         </p:nvSpPr>
         <p:spPr>
-          <a:xfrm>
-            <a:off x="5142909" y="3739921"/>
-            <a:ext cx="1538420" cy="278603"/>
+          <a:xfrm rot="5400000">
+            <a:off x="5234510" y="4720692"/>
+            <a:ext cx="1659226" cy="278595"/>
           </a:xfrm>
           <a:prstGeom prst="rect">
             <a:avLst/>
           </a:prstGeom>
-          <a:solidFill>
-            <a:schemeClr val="bg2"/>
-          </a:solidFill>
+          <a:noFill/>
           <a:ln w="3175">
-            <a:solidFill>
-              <a:schemeClr val="bg2">
-                <a:lumMod val="75000"/>
-              </a:schemeClr>
-            </a:solidFill>
+            <a:noFill/>
           </a:ln>
         </p:spPr>
         <p:style>
@@ -4376,18 +4193,22 @@
           <a:p>
             <a:pPr algn="ctr"/>
             <a:r>
-              <a:rPr lang="en-AU" sz="1200" dirty="0" err="1">
+              <a:rPr lang="en-AU" sz="1000" dirty="0" err="1">
                 <a:solidFill>
                   <a:schemeClr val="tx1"/>
                 </a:solidFill>
+                <a:latin typeface="Courier New" panose="02070309020205020404" pitchFamily="49" charset="0"/>
+                <a:cs typeface="Courier New" panose="02070309020205020404" pitchFamily="49" charset="0"/>
               </a:rPr>
               <a:t>load_tree_df_path</a:t>
             </a:r>
             <a:r>
-              <a:rPr lang="en-AU" sz="1200" dirty="0">
+              <a:rPr lang="en-AU" sz="1000" dirty="0">
                 <a:solidFill>
                   <a:schemeClr val="tx1"/>
                 </a:solidFill>
+                <a:latin typeface="Courier New" panose="02070309020205020404" pitchFamily="49" charset="0"/>
+                <a:cs typeface="Courier New" panose="02070309020205020404" pitchFamily="49" charset="0"/>
               </a:rPr>
               <a:t>()</a:t>
             </a:r>
@@ -4407,22 +4228,16 @@
           <p:nvPr/>
         </p:nvSpPr>
         <p:spPr>
-          <a:xfrm>
-            <a:off x="2777490" y="2548507"/>
+          <a:xfrm rot="5400000">
+            <a:off x="2940473" y="2665519"/>
             <a:ext cx="1538420" cy="278603"/>
           </a:xfrm>
           <a:prstGeom prst="rect">
             <a:avLst/>
           </a:prstGeom>
-          <a:solidFill>
-            <a:schemeClr val="bg2"/>
-          </a:solidFill>
+          <a:noFill/>
           <a:ln w="3175">
-            <a:solidFill>
-              <a:schemeClr val="bg2">
-                <a:lumMod val="75000"/>
-              </a:schemeClr>
-            </a:solidFill>
+            <a:noFill/>
           </a:ln>
         </p:spPr>
         <p:style>
@@ -4447,18 +4262,22 @@
           <a:p>
             <a:pPr algn="ctr"/>
             <a:r>
-              <a:rPr lang="en-AU" sz="1200" dirty="0" err="1">
+              <a:rPr lang="en-AU" sz="1000" dirty="0" err="1">
                 <a:solidFill>
                   <a:schemeClr val="tx1"/>
                 </a:solidFill>
+                <a:latin typeface="Courier New" panose="02070309020205020404" pitchFamily="49" charset="0"/>
+                <a:cs typeface="Courier New" panose="02070309020205020404" pitchFamily="49" charset="0"/>
               </a:rPr>
               <a:t>load_tree_csv</a:t>
             </a:r>
             <a:r>
-              <a:rPr lang="en-AU" sz="1200" dirty="0">
+              <a:rPr lang="en-AU" sz="1000" dirty="0">
                 <a:solidFill>
                   <a:schemeClr val="tx1"/>
                 </a:solidFill>
+                <a:latin typeface="Courier New" panose="02070309020205020404" pitchFamily="49" charset="0"/>
+                <a:cs typeface="Courier New" panose="02070309020205020404" pitchFamily="49" charset="0"/>
               </a:rPr>
               <a:t>()</a:t>
             </a:r>
@@ -4478,22 +4297,16 @@
           <p:nvPr/>
         </p:nvSpPr>
         <p:spPr>
-          <a:xfrm rot="1422294">
-            <a:off x="3917321" y="2356576"/>
-            <a:ext cx="1645978" cy="278603"/>
+          <a:xfrm rot="2030296">
+            <a:off x="4133118" y="2549556"/>
+            <a:ext cx="1805281" cy="253223"/>
           </a:xfrm>
           <a:prstGeom prst="rect">
             <a:avLst/>
           </a:prstGeom>
-          <a:solidFill>
-            <a:schemeClr val="bg2"/>
-          </a:solidFill>
+          <a:noFill/>
           <a:ln w="3175">
-            <a:solidFill>
-              <a:schemeClr val="bg2">
-                <a:lumMod val="75000"/>
-              </a:schemeClr>
-            </a:solidFill>
+            <a:noFill/>
           </a:ln>
         </p:spPr>
         <p:style>
@@ -4518,18 +4331,22 @@
           <a:p>
             <a:pPr algn="ctr"/>
             <a:r>
-              <a:rPr lang="en-AU" sz="1200" dirty="0" err="1">
+              <a:rPr lang="en-AU" sz="1000" dirty="0" err="1">
                 <a:solidFill>
                   <a:schemeClr val="tx1"/>
                 </a:solidFill>
+                <a:latin typeface="Courier New" panose="02070309020205020404" pitchFamily="49" charset="0"/>
+                <a:cs typeface="Courier New" panose="02070309020205020404" pitchFamily="49" charset="0"/>
               </a:rPr>
               <a:t>load_tree_csv_path</a:t>
             </a:r>
             <a:r>
-              <a:rPr lang="en-AU" sz="1200" dirty="0">
+              <a:rPr lang="en-AU" sz="1000" dirty="0">
                 <a:solidFill>
                   <a:schemeClr val="tx1"/>
                 </a:solidFill>
+                <a:latin typeface="Courier New" panose="02070309020205020404" pitchFamily="49" charset="0"/>
+                <a:cs typeface="Courier New" panose="02070309020205020404" pitchFamily="49" charset="0"/>
               </a:rPr>
               <a:t>()</a:t>
             </a:r>
@@ -4549,22 +4366,16 @@
           <p:nvPr/>
         </p:nvSpPr>
         <p:spPr>
-          <a:xfrm>
-            <a:off x="7454293" y="2093341"/>
+          <a:xfrm rot="5400000">
+            <a:off x="7610010" y="2538277"/>
             <a:ext cx="1538420" cy="278603"/>
           </a:xfrm>
           <a:prstGeom prst="rect">
             <a:avLst/>
           </a:prstGeom>
-          <a:solidFill>
-            <a:schemeClr val="bg2"/>
-          </a:solidFill>
+          <a:noFill/>
           <a:ln w="3175">
-            <a:solidFill>
-              <a:schemeClr val="bg2">
-                <a:lumMod val="75000"/>
-              </a:schemeClr>
-            </a:solidFill>
+            <a:noFill/>
           </a:ln>
         </p:spPr>
         <p:style>
@@ -4589,18 +4400,22 @@
           <a:p>
             <a:pPr algn="ctr"/>
             <a:r>
-              <a:rPr lang="en-AU" sz="1200" dirty="0" err="1">
+              <a:rPr lang="en-AU" sz="1000" dirty="0" err="1">
                 <a:solidFill>
                   <a:schemeClr val="tx1"/>
                 </a:solidFill>
+                <a:latin typeface="Courier New" panose="02070309020205020404" pitchFamily="49" charset="0"/>
+                <a:cs typeface="Courier New" panose="02070309020205020404" pitchFamily="49" charset="0"/>
               </a:rPr>
               <a:t>load_tree_json</a:t>
             </a:r>
             <a:r>
-              <a:rPr lang="en-AU" sz="1200" dirty="0">
+              <a:rPr lang="en-AU" sz="1000" dirty="0">
                 <a:solidFill>
                   <a:schemeClr val="tx1"/>
                 </a:solidFill>
+                <a:latin typeface="Courier New" panose="02070309020205020404" pitchFamily="49" charset="0"/>
+                <a:cs typeface="Courier New" panose="02070309020205020404" pitchFamily="49" charset="0"/>
               </a:rPr>
               <a:t>()</a:t>
             </a:r>
@@ -4620,22 +4435,16 @@
           <p:nvPr/>
         </p:nvSpPr>
         <p:spPr>
-          <a:xfrm rot="1516041">
-            <a:off x="6253818" y="2340489"/>
+          <a:xfrm rot="2009689">
+            <a:off x="6448762" y="2454913"/>
             <a:ext cx="1538420" cy="278603"/>
           </a:xfrm>
           <a:prstGeom prst="rect">
             <a:avLst/>
           </a:prstGeom>
-          <a:solidFill>
-            <a:schemeClr val="bg2"/>
-          </a:solidFill>
+          <a:noFill/>
           <a:ln w="3175">
-            <a:solidFill>
-              <a:schemeClr val="bg2">
-                <a:lumMod val="75000"/>
-              </a:schemeClr>
-            </a:solidFill>
+            <a:noFill/>
           </a:ln>
         </p:spPr>
         <p:style>
@@ -4660,20 +4469,133 @@
           <a:p>
             <a:pPr algn="ctr"/>
             <a:r>
-              <a:rPr lang="en-AU" sz="1200" dirty="0" err="1">
+              <a:rPr lang="en-AU" sz="1000" dirty="0" err="1">
                 <a:solidFill>
                   <a:schemeClr val="tx1"/>
                 </a:solidFill>
+                <a:latin typeface="Courier New" panose="02070309020205020404" pitchFamily="49" charset="0"/>
+                <a:cs typeface="Courier New" panose="02070309020205020404" pitchFamily="49" charset="0"/>
               </a:rPr>
               <a:t>load_tree_yaml</a:t>
             </a:r>
             <a:r>
-              <a:rPr lang="en-AU" sz="1200" dirty="0">
+              <a:rPr lang="en-AU" sz="1000" dirty="0">
                 <a:solidFill>
                   <a:schemeClr val="tx1"/>
                 </a:solidFill>
+                <a:latin typeface="Courier New" panose="02070309020205020404" pitchFamily="49" charset="0"/>
+                <a:cs typeface="Courier New" panose="02070309020205020404" pitchFamily="49" charset="0"/>
               </a:rPr>
               <a:t>()</a:t>
+            </a:r>
+          </a:p>
+        </p:txBody>
+      </p:sp>
+      <p:sp>
+        <p:nvSpPr>
+          <p:cNvPr id="41" name="TextBox 40">
+            <a:extLst>
+              <a:ext uri="{FF2B5EF4-FFF2-40B4-BE49-F238E27FC236}">
+                <a16:creationId xmlns:a16="http://schemas.microsoft.com/office/drawing/2014/main" id="{D2FF5790-1CAF-1A49-B2BF-C0650BF9E0C9}"/>
+              </a:ext>
+            </a:extLst>
+          </p:cNvPr>
+          <p:cNvSpPr txBox="1"/>
+          <p:nvPr/>
+        </p:nvSpPr>
+        <p:spPr>
+          <a:xfrm>
+            <a:off x="298749" y="1473635"/>
+            <a:ext cx="2170146" cy="369332"/>
+          </a:xfrm>
+          <a:prstGeom prst="rect">
+            <a:avLst/>
+          </a:prstGeom>
+          <a:noFill/>
+        </p:spPr>
+        <p:txBody>
+          <a:bodyPr wrap="none" rtlCol="0">
+            <a:spAutoFit/>
+          </a:bodyPr>
+          <a:lstStyle/>
+          <a:p>
+            <a:r>
+              <a:rPr lang="en-AU" dirty="0"/>
+              <a:t>External file formats</a:t>
+            </a:r>
+          </a:p>
+        </p:txBody>
+      </p:sp>
+      <p:sp>
+        <p:nvSpPr>
+          <p:cNvPr id="61" name="TextBox 60">
+            <a:extLst>
+              <a:ext uri="{FF2B5EF4-FFF2-40B4-BE49-F238E27FC236}">
+                <a16:creationId xmlns:a16="http://schemas.microsoft.com/office/drawing/2014/main" id="{B4E77F82-7300-6B13-B791-0B069E9B9519}"/>
+              </a:ext>
+            </a:extLst>
+          </p:cNvPr>
+          <p:cNvSpPr txBox="1"/>
+          <p:nvPr/>
+        </p:nvSpPr>
+        <p:spPr>
+          <a:xfrm>
+            <a:off x="298749" y="3512187"/>
+            <a:ext cx="1960152" cy="369332"/>
+          </a:xfrm>
+          <a:prstGeom prst="rect">
+            <a:avLst/>
+          </a:prstGeom>
+          <a:noFill/>
+        </p:spPr>
+        <p:txBody>
+          <a:bodyPr wrap="none" rtlCol="0">
+            <a:spAutoFit/>
+          </a:bodyPr>
+          <a:lstStyle/>
+          <a:p>
+            <a:r>
+              <a:rPr lang="en-AU" dirty="0"/>
+              <a:t>Internal R formats</a:t>
+            </a:r>
+          </a:p>
+        </p:txBody>
+      </p:sp>
+      <p:sp>
+        <p:nvSpPr>
+          <p:cNvPr id="62" name="TextBox 61">
+            <a:extLst>
+              <a:ext uri="{FF2B5EF4-FFF2-40B4-BE49-F238E27FC236}">
+                <a16:creationId xmlns:a16="http://schemas.microsoft.com/office/drawing/2014/main" id="{B38986C7-6750-2AFC-E76B-FAD2DDF6B872}"/>
+              </a:ext>
+            </a:extLst>
+          </p:cNvPr>
+          <p:cNvSpPr txBox="1"/>
+          <p:nvPr/>
+        </p:nvSpPr>
+        <p:spPr>
+          <a:xfrm>
+            <a:off x="298749" y="5911419"/>
+            <a:ext cx="2589940" cy="369332"/>
+          </a:xfrm>
+          <a:prstGeom prst="rect">
+            <a:avLst/>
+          </a:prstGeom>
+          <a:noFill/>
+        </p:spPr>
+        <p:txBody>
+          <a:bodyPr wrap="none" rtlCol="0">
+            <a:spAutoFit/>
+          </a:bodyPr>
+          <a:lstStyle/>
+          <a:p>
+            <a:r>
+              <a:rPr lang="en-AU" dirty="0" err="1"/>
+              <a:t>andorR</a:t>
+            </a:r>
+            <a:r>
+              <a:rPr lang="en-AU" dirty="0"/>
+              <a:t> analysis formats</a:t>
             </a:r>
           </a:p>
         </p:txBody>
